--- a/gRPC简介/gRPC简介.pptx
+++ b/gRPC简介/gRPC简介.pptx
@@ -5,7 +5,7 @@
     <p:sldMasterId id="2147483660" r:id="rId1"/>
   </p:sldMasterIdLst>
   <p:notesMasterIdLst>
-    <p:notesMasterId r:id="rId12"/>
+    <p:notesMasterId r:id="rId13"/>
   </p:notesMasterIdLst>
   <p:sldIdLst>
     <p:sldId id="256" r:id="rId2"/>
@@ -16,8 +16,9 @@
     <p:sldId id="262" r:id="rId7"/>
     <p:sldId id="259" r:id="rId8"/>
     <p:sldId id="264" r:id="rId9"/>
-    <p:sldId id="266" r:id="rId10"/>
-    <p:sldId id="257" r:id="rId11"/>
+    <p:sldId id="267" r:id="rId10"/>
+    <p:sldId id="266" r:id="rId11"/>
+    <p:sldId id="257" r:id="rId12"/>
   </p:sldIdLst>
   <p:sldSz cx="9144000" cy="6858000" type="screen4x3"/>
   <p:notesSz cx="6858000" cy="9144000"/>
@@ -116,6 +117,22 @@
       </a:defRPr>
     </a:lvl9pPr>
   </p:defaultTextStyle>
+  <p:extLst>
+    <p:ext uri="{EFAFB233-063F-42B5-8137-9DF3F51BA10A}">
+      <p15:sldGuideLst xmlns:p15="http://schemas.microsoft.com/office/powerpoint/2012/main">
+        <p15:guide id="1" orient="horz" pos="2160">
+          <p15:clr>
+            <a:srgbClr val="A4A3A4"/>
+          </p15:clr>
+        </p15:guide>
+        <p15:guide id="2" pos="2880">
+          <p15:clr>
+            <a:srgbClr val="A4A3A4"/>
+          </p15:clr>
+        </p15:guide>
+      </p15:sldGuideLst>
+    </p:ext>
+  </p:extLst>
 </p:presentation>
 </file>
 
@@ -201,7 +218,7 @@
           <a:p>
             <a:fld id="{E45CAED5-394F-E941-8905-2F3D49560E04}" type="datetimeFigureOut">
               <a:rPr lang="en-US" smtClean="0"/>
-              <a:t>15/7/30</a:t>
+              <a:t>11/11/15</a:t>
             </a:fld>
             <a:endParaRPr lang="en-US"/>
           </a:p>
@@ -690,6 +707,102 @@
 </p:notes>
 </file>
 
+<file path=ppt/notesSlides/notesSlide3.xml><?xml version="1.0" encoding="utf-8"?>
+<p:notes xmlns:a="http://schemas.openxmlformats.org/drawingml/2006/main" xmlns:r="http://schemas.openxmlformats.org/officeDocument/2006/relationships" xmlns:p="http://schemas.openxmlformats.org/presentationml/2006/main">
+  <p:cSld>
+    <p:spTree>
+      <p:nvGrpSpPr>
+        <p:cNvPr id="1" name=""/>
+        <p:cNvGrpSpPr/>
+        <p:nvPr/>
+      </p:nvGrpSpPr>
+      <p:grpSpPr>
+        <a:xfrm>
+          <a:off x="0" y="0"/>
+          <a:ext cx="0" cy="0"/>
+          <a:chOff x="0" y="0"/>
+          <a:chExt cx="0" cy="0"/>
+        </a:xfrm>
+      </p:grpSpPr>
+      <p:sp>
+        <p:nvSpPr>
+          <p:cNvPr id="2" name="幻灯片图像占位符 1"/>
+          <p:cNvSpPr>
+            <a:spLocks noGrp="1" noRot="1" noChangeAspect="1"/>
+          </p:cNvSpPr>
+          <p:nvPr>
+            <p:ph type="sldImg"/>
+          </p:nvPr>
+        </p:nvSpPr>
+        <p:spPr/>
+      </p:sp>
+      <p:sp>
+        <p:nvSpPr>
+          <p:cNvPr id="3" name="备注占位符 2"/>
+          <p:cNvSpPr>
+            <a:spLocks noGrp="1"/>
+          </p:cNvSpPr>
+          <p:nvPr>
+            <p:ph type="body" idx="1"/>
+          </p:nvPr>
+        </p:nvSpPr>
+        <p:spPr/>
+        <p:txBody>
+          <a:bodyPr/>
+          <a:lstStyle/>
+          <a:p>
+            <a:r>
+              <a:rPr kumimoji="1" lang="en-US" altLang="zh-CN" dirty="0" smtClean="0"/>
+              <a:t>http://</a:t>
+            </a:r>
+            <a:r>
+              <a:rPr kumimoji="1" lang="en-US" altLang="zh-CN" dirty="0" err="1" smtClean="0"/>
+              <a:t>www.cnblogs.com</a:t>
+            </a:r>
+            <a:r>
+              <a:rPr kumimoji="1" lang="en-US" altLang="zh-CN" dirty="0" smtClean="0"/>
+              <a:t>/ghj1976/p/4659858.html</a:t>
+            </a:r>
+            <a:endParaRPr kumimoji="1" lang="zh-CN" altLang="en-US" dirty="0"/>
+          </a:p>
+        </p:txBody>
+      </p:sp>
+      <p:sp>
+        <p:nvSpPr>
+          <p:cNvPr id="4" name="幻灯片编号占位符 3"/>
+          <p:cNvSpPr>
+            <a:spLocks noGrp="1"/>
+          </p:cNvSpPr>
+          <p:nvPr>
+            <p:ph type="sldNum" sz="quarter" idx="10"/>
+          </p:nvPr>
+        </p:nvSpPr>
+        <p:spPr/>
+        <p:txBody>
+          <a:bodyPr/>
+          <a:lstStyle/>
+          <a:p>
+            <a:fld id="{2057E21E-0CD6-CA4F-8813-2F285B641422}" type="slidenum">
+              <a:rPr lang="en-US" smtClean="0"/>
+              <a:t>10</a:t>
+            </a:fld>
+            <a:endParaRPr lang="en-US"/>
+          </a:p>
+        </p:txBody>
+      </p:sp>
+    </p:spTree>
+    <p:extLst>
+      <p:ext uri="{BB962C8B-B14F-4D97-AF65-F5344CB8AC3E}">
+        <p14:creationId xmlns:p14="http://schemas.microsoft.com/office/powerpoint/2010/main" val="1277375666"/>
+      </p:ext>
+    </p:extLst>
+  </p:cSld>
+  <p:clrMapOvr>
+    <a:masterClrMapping/>
+  </p:clrMapOvr>
+</p:notes>
+</file>
+
 <file path=ppt/slideLayouts/slideLayout1.xml><?xml version="1.0" encoding="utf-8"?>
 <p:sldLayout xmlns:a="http://schemas.openxmlformats.org/drawingml/2006/main" xmlns:r="http://schemas.openxmlformats.org/officeDocument/2006/relationships" xmlns:p="http://schemas.openxmlformats.org/presentationml/2006/main" showMasterSp="0" type="title" preserve="1">
   <p:cSld name="Title Slide">
@@ -898,7 +1011,7 @@
             <a:pPr algn="l" eaLnBrk="1" latinLnBrk="0" hangingPunct="1"/>
             <a:fld id="{48D92626-37D2-4832-BF7A-BC283494A20D}" type="datetimeFigureOut">
               <a:rPr lang="en-US" smtClean="0"/>
-              <a:t>15/7/30</a:t>
+              <a:t>11/11/15</a:t>
             </a:fld>
             <a:endParaRPr lang="en-US"/>
           </a:p>
@@ -1099,7 +1212,7 @@
           <a:p>
             <a:fld id="{48D92626-37D2-4832-BF7A-BC283494A20D}" type="datetimeFigureOut">
               <a:rPr lang="en-US" smtClean="0"/>
-              <a:t>15/7/30</a:t>
+              <a:t>11/11/15</a:t>
             </a:fld>
             <a:endParaRPr lang="en-US"/>
           </a:p>
@@ -1287,7 +1400,7 @@
           <a:p>
             <a:fld id="{48D92626-37D2-4832-BF7A-BC283494A20D}" type="datetimeFigureOut">
               <a:rPr lang="en-US" smtClean="0"/>
-              <a:t>15/7/30</a:t>
+              <a:t>11/11/15</a:t>
             </a:fld>
             <a:endParaRPr lang="en-US"/>
           </a:p>
@@ -1516,7 +1629,7 @@
           <a:p>
             <a:fld id="{48D92626-37D2-4832-BF7A-BC283494A20D}" type="datetimeFigureOut">
               <a:rPr lang="en-US" smtClean="0"/>
-              <a:t>15/7/30</a:t>
+              <a:t>11/11/15</a:t>
             </a:fld>
             <a:endParaRPr lang="en-US"/>
           </a:p>
@@ -1798,7 +1911,7 @@
             <a:pPr algn="l" eaLnBrk="1" latinLnBrk="0" hangingPunct="1"/>
             <a:fld id="{48D92626-37D2-4832-BF7A-BC283494A20D}" type="datetimeFigureOut">
               <a:rPr lang="en-US" smtClean="0"/>
-              <a:t>15/7/30</a:t>
+              <a:t>11/11/15</a:t>
             </a:fld>
             <a:endParaRPr lang="en-US"/>
           </a:p>
@@ -2093,7 +2206,7 @@
           <a:p>
             <a:fld id="{48D92626-37D2-4832-BF7A-BC283494A20D}" type="datetimeFigureOut">
               <a:rPr lang="en-US" smtClean="0"/>
-              <a:t>15/7/30</a:t>
+              <a:t>11/11/15</a:t>
             </a:fld>
             <a:endParaRPr lang="en-US"/>
           </a:p>
@@ -2647,7 +2760,7 @@
           <a:p>
             <a:fld id="{48D92626-37D2-4832-BF7A-BC283494A20D}" type="datetimeFigureOut">
               <a:rPr lang="en-US" smtClean="0"/>
-              <a:t>15/7/30</a:t>
+              <a:t>11/11/15</a:t>
             </a:fld>
             <a:endParaRPr lang="en-US"/>
           </a:p>
@@ -2778,7 +2891,7 @@
           <a:p>
             <a:fld id="{48D92626-37D2-4832-BF7A-BC283494A20D}" type="datetimeFigureOut">
               <a:rPr lang="en-US" smtClean="0"/>
-              <a:t>15/7/30</a:t>
+              <a:t>11/11/15</a:t>
             </a:fld>
             <a:endParaRPr lang="en-US"/>
           </a:p>
@@ -2928,7 +3041,7 @@
           <a:p>
             <a:fld id="{48D92626-37D2-4832-BF7A-BC283494A20D}" type="datetimeFigureOut">
               <a:rPr lang="en-US" smtClean="0"/>
-              <a:t>15/7/30</a:t>
+              <a:t>11/11/15</a:t>
             </a:fld>
             <a:endParaRPr lang="en-US"/>
           </a:p>
@@ -3250,7 +3363,7 @@
             <a:pPr algn="l" eaLnBrk="1" latinLnBrk="0" hangingPunct="1"/>
             <a:fld id="{48D92626-37D2-4832-BF7A-BC283494A20D}" type="datetimeFigureOut">
               <a:rPr lang="en-US" smtClean="0"/>
-              <a:t>15/7/30</a:t>
+              <a:t>11/11/15</a:t>
             </a:fld>
             <a:endParaRPr lang="en-US"/>
           </a:p>
@@ -3555,7 +3668,7 @@
             <a:pPr algn="l" eaLnBrk="1" latinLnBrk="0" hangingPunct="1"/>
             <a:fld id="{48D92626-37D2-4832-BF7A-BC283494A20D}" type="datetimeFigureOut">
               <a:rPr lang="en-US" smtClean="0"/>
-              <a:t>15/7/30</a:t>
+              <a:t>11/11/15</a:t>
             </a:fld>
             <a:endParaRPr lang="en-US"/>
           </a:p>
@@ -3816,7 +3929,7 @@
             <a:pPr algn="l" eaLnBrk="1" latinLnBrk="0" hangingPunct="1"/>
             <a:fld id="{48D92626-37D2-4832-BF7A-BC283494A20D}" type="datetimeFigureOut">
               <a:rPr lang="en-US" smtClean="0"/>
-              <a:t>15/7/30</a:t>
+              <a:t>11/11/15</a:t>
             </a:fld>
             <a:endParaRPr lang="en-US" sz="1300" dirty="0">
               <a:solidFill>
@@ -4420,6 +4533,202 @@
       </p:grpSpPr>
       <p:sp>
         <p:nvSpPr>
+          <p:cNvPr id="4" name="Title 3"/>
+          <p:cNvSpPr>
+            <a:spLocks noGrp="1"/>
+          </p:cNvSpPr>
+          <p:nvPr>
+            <p:ph type="title"/>
+          </p:nvPr>
+        </p:nvSpPr>
+        <p:spPr/>
+        <p:txBody>
+          <a:bodyPr/>
+          <a:lstStyle/>
+          <a:p>
+            <a:r>
+              <a:rPr lang="en-US" altLang="zh-CN" dirty="0" err="1" smtClean="0"/>
+              <a:t>gRPC</a:t>
+            </a:r>
+            <a:r>
+              <a:rPr lang="zh-CN" altLang="en-US" dirty="0" smtClean="0"/>
+              <a:t> 的</a:t>
+            </a:r>
+            <a:r>
+              <a:rPr lang="en-US" altLang="zh-CN" dirty="0" err="1" smtClean="0"/>
+              <a:t>RoadMap</a:t>
+            </a:r>
+            <a:endParaRPr lang="en-US" dirty="0"/>
+          </a:p>
+        </p:txBody>
+      </p:sp>
+      <p:sp>
+        <p:nvSpPr>
+          <p:cNvPr id="5" name="Content Placeholder 4"/>
+          <p:cNvSpPr>
+            <a:spLocks noGrp="1"/>
+          </p:cNvSpPr>
+          <p:nvPr>
+            <p:ph idx="1"/>
+          </p:nvPr>
+        </p:nvSpPr>
+        <p:spPr/>
+        <p:txBody>
+          <a:bodyPr/>
+          <a:lstStyle/>
+          <a:p>
+            <a:r>
+              <a:rPr lang="en-US" altLang="zh-CN" dirty="0" smtClean="0"/>
+              <a:t>HTTP2</a:t>
+            </a:r>
+            <a:r>
+              <a:rPr lang="zh-CN" altLang="en-US" dirty="0" smtClean="0"/>
+              <a:t>   </a:t>
+            </a:r>
+            <a:r>
+              <a:rPr lang="en-US" altLang="zh-CN" dirty="0" smtClean="0"/>
+              <a:t>2015-05</a:t>
+            </a:r>
+            <a:endParaRPr lang="zh-CN" altLang="en-US" dirty="0" smtClean="0"/>
+          </a:p>
+          <a:p>
+            <a:r>
+              <a:rPr lang="en-US" altLang="zh-CN" dirty="0" err="1" smtClean="0"/>
+              <a:t>ProtoBuf</a:t>
+            </a:r>
+            <a:r>
+              <a:rPr lang="zh-CN" altLang="en-US" dirty="0" smtClean="0"/>
+              <a:t>  </a:t>
+            </a:r>
+            <a:r>
+              <a:rPr lang="hu-HU" altLang="zh-CN" dirty="0"/>
+              <a:t>3.0.0-beta-1 (</a:t>
+            </a:r>
+            <a:r>
+              <a:rPr lang="hu-HU" altLang="zh-CN" dirty="0" smtClean="0"/>
+              <a:t>2015-08-27</a:t>
+            </a:r>
+            <a:r>
+              <a:rPr lang="en-US" altLang="zh-CN" dirty="0" smtClean="0"/>
+              <a:t>)</a:t>
+            </a:r>
+          </a:p>
+          <a:p>
+            <a:r>
+              <a:rPr lang="en-US" dirty="0" err="1" smtClean="0"/>
+              <a:t>Nginx</a:t>
+            </a:r>
+            <a:r>
+              <a:rPr lang="en-US" dirty="0" smtClean="0"/>
+              <a:t> </a:t>
+            </a:r>
+            <a:r>
+              <a:rPr lang="hr-HR" altLang="zh-CN" dirty="0" smtClean="0"/>
+              <a:t>1.9.5 2015-09</a:t>
+            </a:r>
+          </a:p>
+          <a:p>
+            <a:r>
+              <a:rPr lang="en-US" altLang="zh-CN" dirty="0" err="1" smtClean="0"/>
+              <a:t>gRPC</a:t>
+            </a:r>
+            <a:endParaRPr lang="en-US" altLang="zh-CN" dirty="0" smtClean="0"/>
+          </a:p>
+          <a:p>
+            <a:pPr lvl="1"/>
+            <a:r>
+              <a:rPr lang="en-US" altLang="zh-CN" dirty="0" smtClean="0"/>
+              <a:t>The </a:t>
+            </a:r>
+            <a:r>
+              <a:rPr lang="en-US" altLang="zh-CN" dirty="0"/>
+              <a:t>C based </a:t>
+            </a:r>
+            <a:r>
+              <a:rPr lang="en-US" altLang="zh-CN" dirty="0" err="1"/>
+              <a:t>gRPC</a:t>
+            </a:r>
+            <a:r>
+              <a:rPr lang="en-US" altLang="zh-CN" dirty="0"/>
+              <a:t> (C++, </a:t>
+            </a:r>
+            <a:r>
+              <a:rPr lang="en-US" altLang="zh-CN" dirty="0" err="1"/>
+              <a:t>Node.js</a:t>
+            </a:r>
+            <a:r>
+              <a:rPr lang="en-US" altLang="zh-CN" dirty="0"/>
+              <a:t>, Python, Ruby, Objective-C, PHP, C</a:t>
+            </a:r>
+            <a:r>
+              <a:rPr lang="en-US" altLang="zh-CN" dirty="0" smtClean="0"/>
+              <a:t>#)  0.11.1 2015-09-24</a:t>
+            </a:r>
+          </a:p>
+          <a:p>
+            <a:pPr lvl="1"/>
+            <a:r>
+              <a:rPr lang="en-US" dirty="0" err="1" smtClean="0"/>
+              <a:t>gRPC</a:t>
+            </a:r>
+            <a:r>
+              <a:rPr lang="en-US" dirty="0" smtClean="0"/>
+              <a:t>-Java  0.9.0 2015-09-18</a:t>
+            </a:r>
+          </a:p>
+          <a:p>
+            <a:pPr lvl="1"/>
+            <a:r>
+              <a:rPr lang="en-US" dirty="0" err="1" smtClean="0"/>
+              <a:t>gRPC</a:t>
+            </a:r>
+            <a:r>
+              <a:rPr lang="en-US" dirty="0" smtClean="0"/>
+              <a:t>-go Beta</a:t>
+            </a:r>
+            <a:endParaRPr lang="en-US" dirty="0"/>
+          </a:p>
+        </p:txBody>
+      </p:sp>
+    </p:spTree>
+    <p:extLst>
+      <p:ext uri="{BB962C8B-B14F-4D97-AF65-F5344CB8AC3E}">
+        <p14:creationId xmlns:p14="http://schemas.microsoft.com/office/powerpoint/2010/main" val="3237116045"/>
+      </p:ext>
+    </p:extLst>
+  </p:cSld>
+  <p:clrMapOvr>
+    <a:masterClrMapping/>
+  </p:clrMapOvr>
+  <p:timing>
+    <p:tnLst>
+      <p:par>
+        <p:cTn id="1" dur="indefinite" restart="never" nodeType="tmRoot"/>
+      </p:par>
+    </p:tnLst>
+  </p:timing>
+</p:sld>
+</file>
+
+<file path=ppt/slides/slide11.xml><?xml version="1.0" encoding="utf-8"?>
+<p:sld xmlns:a="http://schemas.openxmlformats.org/drawingml/2006/main" xmlns:r="http://schemas.openxmlformats.org/officeDocument/2006/relationships" xmlns:p="http://schemas.openxmlformats.org/presentationml/2006/main">
+  <p:cSld>
+    <p:spTree>
+      <p:nvGrpSpPr>
+        <p:cNvPr id="1" name=""/>
+        <p:cNvGrpSpPr/>
+        <p:nvPr/>
+      </p:nvGrpSpPr>
+      <p:grpSpPr>
+        <a:xfrm>
+          <a:off x="0" y="0"/>
+          <a:ext cx="0" cy="0"/>
+          <a:chOff x="0" y="0"/>
+          <a:chExt cx="0" cy="0"/>
+        </a:xfrm>
+      </p:grpSpPr>
+      <p:sp>
+        <p:nvSpPr>
           <p:cNvPr id="2" name="标题 1"/>
           <p:cNvSpPr>
             <a:spLocks noGrp="1"/>
@@ -4495,14 +4804,14 @@
           </a:ln>
           <a:extLst>
             <a:ext uri="{909E8E84-426E-40dd-AFC4-6F175D3DCCD1}">
-              <a14:hiddenFill xmlns:a14="http://schemas.microsoft.com/office/drawing/2010/main">
+              <a14:hiddenFill xmlns:a14="http://schemas.microsoft.com/office/drawing/2010/main" xmlns="">
                 <a:solidFill>
                   <a:schemeClr val="accent1"/>
                 </a:solidFill>
               </a14:hiddenFill>
             </a:ext>
             <a:ext uri="{91240B29-F687-4f45-9708-019B960494DF}">
-              <a14:hiddenLine xmlns:a14="http://schemas.microsoft.com/office/drawing/2010/main" w="9525">
+              <a14:hiddenLine xmlns:a14="http://schemas.microsoft.com/office/drawing/2010/main" xmlns="" w="9525">
                 <a:solidFill>
                   <a:schemeClr val="tx1"/>
                 </a:solidFill>
@@ -4527,7 +4836,7 @@
   <p:timing>
     <p:tnLst>
       <p:par>
-        <p:cTn xmlns:p14="http://schemas.microsoft.com/office/powerpoint/2010/main" id="1" dur="indefinite" restart="never" nodeType="tmRoot"/>
+        <p:cTn id="1" dur="indefinite" restart="never" nodeType="tmRoot"/>
       </p:par>
     </p:tnLst>
   </p:timing>
@@ -4967,7 +5276,7 @@
   <p:timing>
     <p:tnLst>
       <p:par>
-        <p:cTn xmlns:p14="http://schemas.microsoft.com/office/powerpoint/2010/main" id="1" dur="indefinite" restart="never" nodeType="tmRoot"/>
+        <p:cTn id="1" dur="indefinite" restart="never" nodeType="tmRoot"/>
       </p:par>
     </p:tnLst>
   </p:timing>
@@ -5254,7 +5563,7 @@
   <p:timing>
     <p:tnLst>
       <p:par>
-        <p:cTn xmlns:p14="http://schemas.microsoft.com/office/powerpoint/2010/main" id="1" dur="indefinite" restart="never" nodeType="tmRoot"/>
+        <p:cTn id="1" dur="indefinite" restart="never" nodeType="tmRoot"/>
       </p:par>
     </p:tnLst>
   </p:timing>
@@ -5582,7 +5891,7 @@
   <p:timing>
     <p:tnLst>
       <p:par>
-        <p:cTn xmlns:p14="http://schemas.microsoft.com/office/powerpoint/2010/main" id="1" dur="indefinite" restart="never" nodeType="tmRoot"/>
+        <p:cTn id="1" dur="indefinite" restart="never" nodeType="tmRoot"/>
       </p:par>
     </p:tnLst>
   </p:timing>
@@ -5767,7 +6076,7 @@
   <p:timing>
     <p:tnLst>
       <p:par>
-        <p:cTn xmlns:p14="http://schemas.microsoft.com/office/powerpoint/2010/main" id="1" dur="indefinite" restart="never" nodeType="tmRoot"/>
+        <p:cTn id="1" dur="indefinite" restart="never" nodeType="tmRoot"/>
       </p:par>
     </p:tnLst>
   </p:timing>
@@ -5880,8 +6189,27 @@
             </a:pPr>
             <a:r>
               <a:rPr lang="en-US" dirty="0"/>
-              <a:t>HPACK - Header Compression for HTTP/2 - RFC7541</a:t>
-            </a:r>
+              <a:t>HPACK - Header Compression for HTTP/2 - </a:t>
+            </a:r>
+            <a:r>
+              <a:rPr lang="en-US" dirty="0" smtClean="0"/>
+              <a:t>RFC7541</a:t>
+            </a:r>
+          </a:p>
+          <a:p>
+            <a:pPr marL="342900" indent="-342900">
+              <a:buFont typeface="Arial"/>
+              <a:buChar char="•"/>
+            </a:pPr>
+            <a:r>
+              <a:rPr lang="zh-CN" altLang="en-US" dirty="0" smtClean="0"/>
+              <a:t>见另外一个</a:t>
+            </a:r>
+            <a:r>
+              <a:rPr lang="en-US" altLang="zh-CN" dirty="0" err="1" smtClean="0"/>
+              <a:t>ppt</a:t>
+            </a:r>
+            <a:endParaRPr lang="en-US" dirty="0"/>
           </a:p>
           <a:p>
             <a:endParaRPr lang="en-US" dirty="0"/>
@@ -5901,7 +6229,7 @@
   <p:timing>
     <p:tnLst>
       <p:par>
-        <p:cTn xmlns:p14="http://schemas.microsoft.com/office/powerpoint/2010/main" id="1" dur="indefinite" restart="never" nodeType="tmRoot"/>
+        <p:cTn id="1" dur="indefinite" restart="never" nodeType="tmRoot"/>
       </p:par>
     </p:tnLst>
   </p:timing>
@@ -5927,7 +6255,7 @@
       </p:grpSpPr>
       <p:sp>
         <p:nvSpPr>
-          <p:cNvPr id="4" name="Title 3"/>
+          <p:cNvPr id="2" name="标题 1"/>
           <p:cNvSpPr>
             <a:spLocks noGrp="1"/>
           </p:cNvSpPr>
@@ -5940,18 +6268,22 @@
           <a:bodyPr/>
           <a:lstStyle/>
           <a:p>
-            <a:endParaRPr lang="en-US"/>
-          </a:p>
-        </p:txBody>
-      </p:sp>
-      <p:sp>
-        <p:nvSpPr>
-          <p:cNvPr id="5" name="Content Placeholder 4"/>
-          <p:cNvSpPr>
-            <a:spLocks noGrp="1"/>
-          </p:cNvSpPr>
-          <p:nvPr>
-            <p:ph idx="1"/>
+            <a:r>
+              <a:rPr lang="en-US" altLang="zh-CN" dirty="0"/>
+              <a:t>Protocol Buffers 3</a:t>
+            </a:r>
+            <a:endParaRPr kumimoji="1" lang="zh-CN" altLang="en-US" dirty="0"/>
+          </a:p>
+        </p:txBody>
+      </p:sp>
+      <p:sp>
+        <p:nvSpPr>
+          <p:cNvPr id="3" name="文本占位符 2"/>
+          <p:cNvSpPr>
+            <a:spLocks noGrp="1"/>
+          </p:cNvSpPr>
+          <p:nvPr>
+            <p:ph type="body" idx="1"/>
           </p:nvPr>
         </p:nvSpPr>
         <p:spPr/>
@@ -5959,27 +6291,63 @@
           <a:bodyPr/>
           <a:lstStyle/>
           <a:p>
-            <a:endParaRPr lang="en-US"/>
+            <a:r>
+              <a:rPr kumimoji="1" lang="zh-CN" altLang="en-US" dirty="0" smtClean="0"/>
+              <a:t>见另外一个</a:t>
+            </a:r>
+            <a:r>
+              <a:rPr kumimoji="1" lang="en-US" altLang="zh-CN" dirty="0" err="1" smtClean="0"/>
+              <a:t>ppt</a:t>
+            </a:r>
+            <a:endParaRPr kumimoji="1" lang="zh-CN" altLang="en-US" dirty="0" smtClean="0"/>
+          </a:p>
+          <a:p>
+            <a:r>
+              <a:rPr kumimoji="1" lang="en-US" altLang="zh-CN" dirty="0" err="1" smtClean="0"/>
+              <a:t>Json</a:t>
+            </a:r>
+            <a:r>
+              <a:rPr kumimoji="1" lang="zh-CN" altLang="en-US" dirty="0" smtClean="0"/>
+              <a:t>、</a:t>
+            </a:r>
+            <a:r>
+              <a:rPr kumimoji="1" lang="en-US" altLang="zh-CN" dirty="0" smtClean="0"/>
+              <a:t>map</a:t>
+            </a:r>
+            <a:r>
+              <a:rPr kumimoji="1" lang="zh-CN" altLang="en-US" dirty="0" smtClean="0"/>
+              <a:t>、</a:t>
+            </a:r>
+            <a:r>
+              <a:rPr kumimoji="1" lang="en-US" altLang="zh-CN" dirty="0" smtClean="0"/>
+              <a:t>RPC</a:t>
+            </a:r>
+            <a:r>
+              <a:rPr kumimoji="1" lang="zh-CN" altLang="en-US" dirty="0" smtClean="0"/>
+              <a:t>、</a:t>
+            </a:r>
+            <a:r>
+              <a:rPr kumimoji="1" lang="en-US" altLang="zh-CN" dirty="0" smtClean="0"/>
+              <a:t>1M</a:t>
+            </a:r>
+            <a:r>
+              <a:rPr kumimoji="1" lang="zh-CN" altLang="en-US" dirty="0" smtClean="0"/>
+              <a:t>大小</a:t>
+            </a:r>
+            <a:endParaRPr kumimoji="1" lang="zh-CN" altLang="en-US" dirty="0"/>
           </a:p>
         </p:txBody>
       </p:sp>
     </p:spTree>
     <p:extLst>
       <p:ext uri="{BB962C8B-B14F-4D97-AF65-F5344CB8AC3E}">
-        <p14:creationId xmlns:p14="http://schemas.microsoft.com/office/powerpoint/2010/main" val="3237116045"/>
+        <p14:creationId xmlns:p14="http://schemas.microsoft.com/office/powerpoint/2010/main" val="1303863554"/>
       </p:ext>
     </p:extLst>
   </p:cSld>
   <p:clrMapOvr>
     <a:masterClrMapping/>
   </p:clrMapOvr>
-  <p:timing>
-    <p:tnLst>
-      <p:par>
-        <p:cTn xmlns:p14="http://schemas.microsoft.com/office/powerpoint/2010/main" id="1" dur="indefinite" restart="never" nodeType="tmRoot"/>
-      </p:par>
-    </p:tnLst>
-  </p:timing>
 </p:sld>
 </file>
 

--- a/gRPC简介/gRPC简介.pptx
+++ b/gRPC简介/gRPC简介.pptx
@@ -5,7 +5,7 @@
     <p:sldMasterId id="2147483660" r:id="rId1"/>
   </p:sldMasterIdLst>
   <p:notesMasterIdLst>
-    <p:notesMasterId r:id="rId13"/>
+    <p:notesMasterId r:id="rId14"/>
   </p:notesMasterIdLst>
   <p:sldIdLst>
     <p:sldId id="256" r:id="rId2"/>
@@ -15,10 +15,11 @@
     <p:sldId id="261" r:id="rId6"/>
     <p:sldId id="262" r:id="rId7"/>
     <p:sldId id="259" r:id="rId8"/>
-    <p:sldId id="264" r:id="rId9"/>
-    <p:sldId id="267" r:id="rId10"/>
-    <p:sldId id="266" r:id="rId11"/>
-    <p:sldId id="257" r:id="rId12"/>
+    <p:sldId id="268" r:id="rId9"/>
+    <p:sldId id="264" r:id="rId10"/>
+    <p:sldId id="267" r:id="rId11"/>
+    <p:sldId id="266" r:id="rId12"/>
+    <p:sldId id="257" r:id="rId13"/>
   </p:sldIdLst>
   <p:sldSz cx="9144000" cy="6858000" type="screen4x3"/>
   <p:notesSz cx="6858000" cy="9144000"/>
@@ -218,7 +219,7 @@
           <a:p>
             <a:fld id="{E45CAED5-394F-E941-8905-2F3D49560E04}" type="datetimeFigureOut">
               <a:rPr lang="en-US" smtClean="0"/>
-              <a:t>11/11/15</a:t>
+              <a:t>2/4/16</a:t>
             </a:fld>
             <a:endParaRPr lang="en-US"/>
           </a:p>
@@ -784,7 +785,7 @@
           <a:p>
             <a:fld id="{2057E21E-0CD6-CA4F-8813-2F285B641422}" type="slidenum">
               <a:rPr lang="en-US" smtClean="0"/>
-              <a:t>10</a:t>
+              <a:t>11</a:t>
             </a:fld>
             <a:endParaRPr lang="en-US"/>
           </a:p>
@@ -1011,7 +1012,7 @@
             <a:pPr algn="l" eaLnBrk="1" latinLnBrk="0" hangingPunct="1"/>
             <a:fld id="{48D92626-37D2-4832-BF7A-BC283494A20D}" type="datetimeFigureOut">
               <a:rPr lang="en-US" smtClean="0"/>
-              <a:t>11/11/15</a:t>
+              <a:t>2/4/16</a:t>
             </a:fld>
             <a:endParaRPr lang="en-US"/>
           </a:p>
@@ -1212,7 +1213,7 @@
           <a:p>
             <a:fld id="{48D92626-37D2-4832-BF7A-BC283494A20D}" type="datetimeFigureOut">
               <a:rPr lang="en-US" smtClean="0"/>
-              <a:t>11/11/15</a:t>
+              <a:t>2/4/16</a:t>
             </a:fld>
             <a:endParaRPr lang="en-US"/>
           </a:p>
@@ -1400,7 +1401,7 @@
           <a:p>
             <a:fld id="{48D92626-37D2-4832-BF7A-BC283494A20D}" type="datetimeFigureOut">
               <a:rPr lang="en-US" smtClean="0"/>
-              <a:t>11/11/15</a:t>
+              <a:t>2/4/16</a:t>
             </a:fld>
             <a:endParaRPr lang="en-US"/>
           </a:p>
@@ -1629,7 +1630,7 @@
           <a:p>
             <a:fld id="{48D92626-37D2-4832-BF7A-BC283494A20D}" type="datetimeFigureOut">
               <a:rPr lang="en-US" smtClean="0"/>
-              <a:t>11/11/15</a:t>
+              <a:t>2/4/16</a:t>
             </a:fld>
             <a:endParaRPr lang="en-US"/>
           </a:p>
@@ -1911,7 +1912,7 @@
             <a:pPr algn="l" eaLnBrk="1" latinLnBrk="0" hangingPunct="1"/>
             <a:fld id="{48D92626-37D2-4832-BF7A-BC283494A20D}" type="datetimeFigureOut">
               <a:rPr lang="en-US" smtClean="0"/>
-              <a:t>11/11/15</a:t>
+              <a:t>2/4/16</a:t>
             </a:fld>
             <a:endParaRPr lang="en-US"/>
           </a:p>
@@ -2206,7 +2207,7 @@
           <a:p>
             <a:fld id="{48D92626-37D2-4832-BF7A-BC283494A20D}" type="datetimeFigureOut">
               <a:rPr lang="en-US" smtClean="0"/>
-              <a:t>11/11/15</a:t>
+              <a:t>2/4/16</a:t>
             </a:fld>
             <a:endParaRPr lang="en-US"/>
           </a:p>
@@ -2760,7 +2761,7 @@
           <a:p>
             <a:fld id="{48D92626-37D2-4832-BF7A-BC283494A20D}" type="datetimeFigureOut">
               <a:rPr lang="en-US" smtClean="0"/>
-              <a:t>11/11/15</a:t>
+              <a:t>2/4/16</a:t>
             </a:fld>
             <a:endParaRPr lang="en-US"/>
           </a:p>
@@ -2891,7 +2892,7 @@
           <a:p>
             <a:fld id="{48D92626-37D2-4832-BF7A-BC283494A20D}" type="datetimeFigureOut">
               <a:rPr lang="en-US" smtClean="0"/>
-              <a:t>11/11/15</a:t>
+              <a:t>2/4/16</a:t>
             </a:fld>
             <a:endParaRPr lang="en-US"/>
           </a:p>
@@ -3041,7 +3042,7 @@
           <a:p>
             <a:fld id="{48D92626-37D2-4832-BF7A-BC283494A20D}" type="datetimeFigureOut">
               <a:rPr lang="en-US" smtClean="0"/>
-              <a:t>11/11/15</a:t>
+              <a:t>2/4/16</a:t>
             </a:fld>
             <a:endParaRPr lang="en-US"/>
           </a:p>
@@ -3363,7 +3364,7 @@
             <a:pPr algn="l" eaLnBrk="1" latinLnBrk="0" hangingPunct="1"/>
             <a:fld id="{48D92626-37D2-4832-BF7A-BC283494A20D}" type="datetimeFigureOut">
               <a:rPr lang="en-US" smtClean="0"/>
-              <a:t>11/11/15</a:t>
+              <a:t>2/4/16</a:t>
             </a:fld>
             <a:endParaRPr lang="en-US"/>
           </a:p>
@@ -3668,7 +3669,7 @@
             <a:pPr algn="l" eaLnBrk="1" latinLnBrk="0" hangingPunct="1"/>
             <a:fld id="{48D92626-37D2-4832-BF7A-BC283494A20D}" type="datetimeFigureOut">
               <a:rPr lang="en-US" smtClean="0"/>
-              <a:t>11/11/15</a:t>
+              <a:t>2/4/16</a:t>
             </a:fld>
             <a:endParaRPr lang="en-US"/>
           </a:p>
@@ -3929,7 +3930,7 @@
             <a:pPr algn="l" eaLnBrk="1" latinLnBrk="0" hangingPunct="1"/>
             <a:fld id="{48D92626-37D2-4832-BF7A-BC283494A20D}" type="datetimeFigureOut">
               <a:rPr lang="en-US" smtClean="0"/>
-              <a:t>11/11/15</a:t>
+              <a:t>2/4/16</a:t>
             </a:fld>
             <a:endParaRPr lang="en-US" sz="1300" dirty="0">
               <a:solidFill>
@@ -4533,6 +4534,121 @@
       </p:grpSpPr>
       <p:sp>
         <p:nvSpPr>
+          <p:cNvPr id="2" name="标题 1"/>
+          <p:cNvSpPr>
+            <a:spLocks noGrp="1"/>
+          </p:cNvSpPr>
+          <p:nvPr>
+            <p:ph type="title"/>
+          </p:nvPr>
+        </p:nvSpPr>
+        <p:spPr/>
+        <p:txBody>
+          <a:bodyPr/>
+          <a:lstStyle/>
+          <a:p>
+            <a:r>
+              <a:rPr lang="en-US" altLang="zh-CN" dirty="0"/>
+              <a:t>Protocol Buffers 3</a:t>
+            </a:r>
+            <a:endParaRPr kumimoji="1" lang="zh-CN" altLang="en-US" dirty="0"/>
+          </a:p>
+        </p:txBody>
+      </p:sp>
+      <p:sp>
+        <p:nvSpPr>
+          <p:cNvPr id="3" name="文本占位符 2"/>
+          <p:cNvSpPr>
+            <a:spLocks noGrp="1"/>
+          </p:cNvSpPr>
+          <p:nvPr>
+            <p:ph type="body" idx="1"/>
+          </p:nvPr>
+        </p:nvSpPr>
+        <p:spPr/>
+        <p:txBody>
+          <a:bodyPr/>
+          <a:lstStyle/>
+          <a:p>
+            <a:r>
+              <a:rPr kumimoji="1" lang="zh-CN" altLang="en-US" dirty="0" smtClean="0"/>
+              <a:t>见另外一个</a:t>
+            </a:r>
+            <a:r>
+              <a:rPr kumimoji="1" lang="en-US" altLang="zh-CN" dirty="0" err="1" smtClean="0"/>
+              <a:t>ppt</a:t>
+            </a:r>
+            <a:endParaRPr kumimoji="1" lang="zh-CN" altLang="en-US" dirty="0" smtClean="0"/>
+          </a:p>
+          <a:p>
+            <a:r>
+              <a:rPr kumimoji="1" lang="en-US" altLang="zh-CN" dirty="0" err="1" smtClean="0"/>
+              <a:t>Json</a:t>
+            </a:r>
+            <a:r>
+              <a:rPr kumimoji="1" lang="zh-CN" altLang="en-US" dirty="0" smtClean="0"/>
+              <a:t>、</a:t>
+            </a:r>
+            <a:r>
+              <a:rPr kumimoji="1" lang="en-US" altLang="zh-CN" dirty="0" smtClean="0"/>
+              <a:t>map</a:t>
+            </a:r>
+            <a:r>
+              <a:rPr kumimoji="1" lang="zh-CN" altLang="en-US" dirty="0" smtClean="0"/>
+              <a:t>、</a:t>
+            </a:r>
+            <a:r>
+              <a:rPr kumimoji="1" lang="en-US" altLang="zh-CN" dirty="0" smtClean="0"/>
+              <a:t>RPC</a:t>
+            </a:r>
+            <a:r>
+              <a:rPr kumimoji="1" lang="zh-CN" altLang="en-US" dirty="0" smtClean="0"/>
+              <a:t>、</a:t>
+            </a:r>
+            <a:r>
+              <a:rPr kumimoji="1" lang="en-US" altLang="zh-CN" dirty="0" smtClean="0"/>
+              <a:t>1M</a:t>
+            </a:r>
+            <a:r>
+              <a:rPr kumimoji="1" lang="zh-CN" altLang="en-US" dirty="0" smtClean="0"/>
+              <a:t>大小</a:t>
+            </a:r>
+            <a:endParaRPr kumimoji="1" lang="zh-CN" altLang="en-US" dirty="0"/>
+          </a:p>
+        </p:txBody>
+      </p:sp>
+    </p:spTree>
+    <p:extLst>
+      <p:ext uri="{BB962C8B-B14F-4D97-AF65-F5344CB8AC3E}">
+        <p14:creationId xmlns:p14="http://schemas.microsoft.com/office/powerpoint/2010/main" val="1303863554"/>
+      </p:ext>
+    </p:extLst>
+  </p:cSld>
+  <p:clrMapOvr>
+    <a:masterClrMapping/>
+  </p:clrMapOvr>
+</p:sld>
+</file>
+
+<file path=ppt/slides/slide11.xml><?xml version="1.0" encoding="utf-8"?>
+<p:sld xmlns:a="http://schemas.openxmlformats.org/drawingml/2006/main" xmlns:r="http://schemas.openxmlformats.org/officeDocument/2006/relationships" xmlns:p="http://schemas.openxmlformats.org/presentationml/2006/main">
+  <p:cSld>
+    <p:spTree>
+      <p:nvGrpSpPr>
+        <p:cNvPr id="1" name=""/>
+        <p:cNvGrpSpPr/>
+        <p:nvPr/>
+      </p:nvGrpSpPr>
+      <p:grpSpPr>
+        <a:xfrm>
+          <a:off x="0" y="0"/>
+          <a:ext cx="0" cy="0"/>
+          <a:chOff x="0" y="0"/>
+          <a:chExt cx="0" cy="0"/>
+        </a:xfrm>
+      </p:grpSpPr>
+      <p:sp>
+        <p:nvSpPr>
           <p:cNvPr id="4" name="Title 3"/>
           <p:cNvSpPr>
             <a:spLocks noGrp="1"/>
@@ -4710,7 +4826,7 @@
 </p:sld>
 </file>
 
-<file path=ppt/slides/slide11.xml><?xml version="1.0" encoding="utf-8"?>
+<file path=ppt/slides/slide12.xml><?xml version="1.0" encoding="utf-8"?>
 <p:sld xmlns:a="http://schemas.openxmlformats.org/drawingml/2006/main" xmlns:r="http://schemas.openxmlformats.org/officeDocument/2006/relationships" xmlns:p="http://schemas.openxmlformats.org/presentationml/2006/main">
   <p:cSld>
     <p:spTree>
@@ -5011,6 +5127,18 @@
               <a:rPr lang="en-US" dirty="0" err="1" smtClean="0"/>
               <a:t>Dubbo</a:t>
             </a:r>
+            <a:r>
+              <a:rPr lang="zh-CN" altLang="en-US" dirty="0" smtClean="0"/>
+              <a:t>（</a:t>
+            </a:r>
+            <a:r>
+              <a:rPr lang="en-US" altLang="zh-CN" smtClean="0"/>
+              <a:t>dubbox</a:t>
+            </a:r>
+            <a:r>
+              <a:rPr lang="zh-CN" altLang="en-US" smtClean="0"/>
+              <a:t>）</a:t>
+            </a:r>
             <a:endParaRPr lang="en-US" dirty="0" smtClean="0"/>
           </a:p>
           <a:p>
@@ -6102,7 +6230,7 @@
       </p:grpSpPr>
       <p:sp>
         <p:nvSpPr>
-          <p:cNvPr id="4" name="Title 3"/>
+          <p:cNvPr id="2" name="标题 1"/>
           <p:cNvSpPr>
             <a:spLocks noGrp="1"/>
           </p:cNvSpPr>
@@ -6115,22 +6243,18 @@
           <a:bodyPr/>
           <a:lstStyle/>
           <a:p>
-            <a:r>
-              <a:rPr lang="en-US" dirty="0" smtClean="0"/>
-              <a:t>HTTP2</a:t>
-            </a:r>
-            <a:endParaRPr lang="en-US" dirty="0"/>
-          </a:p>
-        </p:txBody>
-      </p:sp>
-      <p:sp>
-        <p:nvSpPr>
-          <p:cNvPr id="5" name="Text Placeholder 4"/>
-          <p:cNvSpPr>
-            <a:spLocks noGrp="1"/>
-          </p:cNvSpPr>
-          <p:nvPr>
-            <p:ph type="body" idx="1"/>
+            <a:endParaRPr kumimoji="1" lang="zh-CN" altLang="en-US"/>
+          </a:p>
+        </p:txBody>
+      </p:sp>
+      <p:sp>
+        <p:nvSpPr>
+          <p:cNvPr id="3" name="内容占位符 2"/>
+          <p:cNvSpPr>
+            <a:spLocks noGrp="1"/>
+          </p:cNvSpPr>
+          <p:nvPr>
+            <p:ph idx="1"/>
           </p:nvPr>
         </p:nvSpPr>
         <p:spPr/>
@@ -6138,101 +6262,44 @@
           <a:bodyPr/>
           <a:lstStyle/>
           <a:p>
-            <a:r>
-              <a:rPr lang="en-US" dirty="0"/>
-              <a:t>HTTP/2 is comprised of two </a:t>
-            </a:r>
-            <a:r>
-              <a:rPr lang="en-US" dirty="0" smtClean="0"/>
-              <a:t>specifications</a:t>
-            </a:r>
-            <a:r>
-              <a:rPr lang="zh-CN" altLang="en-US" dirty="0" smtClean="0"/>
-              <a:t>（</a:t>
-            </a:r>
-            <a:r>
-              <a:rPr lang="en-US" altLang="zh-CN" dirty="0" smtClean="0"/>
-              <a:t>2015</a:t>
-            </a:r>
-            <a:r>
-              <a:rPr lang="en-US" altLang="zh-CN" dirty="0"/>
-              <a:t>-</a:t>
-            </a:r>
-            <a:r>
-              <a:rPr lang="en-US" altLang="zh-CN" dirty="0" smtClean="0"/>
-              <a:t>05</a:t>
-            </a:r>
-            <a:r>
-              <a:rPr lang="zh-CN" altLang="en-US" dirty="0" smtClean="0"/>
-              <a:t>）</a:t>
-            </a:r>
-            <a:r>
-              <a:rPr lang="en-US" dirty="0" smtClean="0"/>
-              <a:t>:</a:t>
-            </a:r>
-            <a:endParaRPr lang="en-US" dirty="0"/>
-          </a:p>
-          <a:p>
-            <a:pPr marL="342900" indent="-342900">
-              <a:buFont typeface="Arial"/>
-              <a:buChar char="•"/>
-            </a:pPr>
-            <a:r>
-              <a:rPr lang="en-US" dirty="0"/>
-              <a:t>Hypertext Transfer Protocol version 2 - RFC7540</a:t>
-            </a:r>
-          </a:p>
-          <a:p>
-            <a:pPr marL="342900" indent="-342900">
-              <a:buFont typeface="Arial"/>
-              <a:buChar char="•"/>
-            </a:pPr>
-            <a:r>
-              <a:rPr lang="en-US" dirty="0"/>
-              <a:t>HPACK - Header Compression for HTTP/2 - </a:t>
-            </a:r>
-            <a:r>
-              <a:rPr lang="en-US" dirty="0" smtClean="0"/>
-              <a:t>RFC7541</a:t>
-            </a:r>
-          </a:p>
-          <a:p>
-            <a:pPr marL="342900" indent="-342900">
-              <a:buFont typeface="Arial"/>
-              <a:buChar char="•"/>
-            </a:pPr>
-            <a:r>
-              <a:rPr lang="zh-CN" altLang="en-US" dirty="0" smtClean="0"/>
-              <a:t>见另外一个</a:t>
-            </a:r>
-            <a:r>
-              <a:rPr lang="en-US" altLang="zh-CN" dirty="0" err="1" smtClean="0"/>
-              <a:t>ppt</a:t>
-            </a:r>
-            <a:endParaRPr lang="en-US" dirty="0"/>
-          </a:p>
-          <a:p>
-            <a:endParaRPr lang="en-US" dirty="0"/>
-          </a:p>
-        </p:txBody>
-      </p:sp>
+            <a:endParaRPr kumimoji="1" lang="zh-CN" altLang="en-US"/>
+          </a:p>
+        </p:txBody>
+      </p:sp>
+      <p:pic>
+        <p:nvPicPr>
+          <p:cNvPr id="4" name="图片 3"/>
+          <p:cNvPicPr>
+            <a:picLocks noChangeAspect="1"/>
+          </p:cNvPicPr>
+          <p:nvPr/>
+        </p:nvPicPr>
+        <p:blipFill>
+          <a:blip r:embed="rId2"/>
+          <a:stretch>
+            <a:fillRect/>
+          </a:stretch>
+        </p:blipFill>
+        <p:spPr>
+          <a:xfrm>
+            <a:off x="0" y="289837"/>
+            <a:ext cx="9144000" cy="6278325"/>
+          </a:xfrm>
+          <a:prstGeom prst="rect">
+            <a:avLst/>
+          </a:prstGeom>
+        </p:spPr>
+      </p:pic>
     </p:spTree>
     <p:extLst>
       <p:ext uri="{BB962C8B-B14F-4D97-AF65-F5344CB8AC3E}">
-        <p14:creationId xmlns:p14="http://schemas.microsoft.com/office/powerpoint/2010/main" val="2326268208"/>
+        <p14:creationId xmlns:p14="http://schemas.microsoft.com/office/powerpoint/2010/main" val="2095699943"/>
       </p:ext>
     </p:extLst>
   </p:cSld>
   <p:clrMapOvr>
     <a:masterClrMapping/>
   </p:clrMapOvr>
-  <p:timing>
-    <p:tnLst>
-      <p:par>
-        <p:cTn id="1" dur="indefinite" restart="never" nodeType="tmRoot"/>
-      </p:par>
-    </p:tnLst>
-  </p:timing>
 </p:sld>
 </file>
 
@@ -6255,7 +6322,7 @@
       </p:grpSpPr>
       <p:sp>
         <p:nvSpPr>
-          <p:cNvPr id="2" name="标题 1"/>
+          <p:cNvPr id="4" name="Title 3"/>
           <p:cNvSpPr>
             <a:spLocks noGrp="1"/>
           </p:cNvSpPr>
@@ -6269,16 +6336,16 @@
           <a:lstStyle/>
           <a:p>
             <a:r>
-              <a:rPr lang="en-US" altLang="zh-CN" dirty="0"/>
-              <a:t>Protocol Buffers 3</a:t>
-            </a:r>
-            <a:endParaRPr kumimoji="1" lang="zh-CN" altLang="en-US" dirty="0"/>
-          </a:p>
-        </p:txBody>
-      </p:sp>
-      <p:sp>
-        <p:nvSpPr>
-          <p:cNvPr id="3" name="文本占位符 2"/>
+              <a:rPr lang="en-US" dirty="0" smtClean="0"/>
+              <a:t>HTTP2</a:t>
+            </a:r>
+            <a:endParaRPr lang="en-US" dirty="0"/>
+          </a:p>
+        </p:txBody>
+      </p:sp>
+      <p:sp>
+        <p:nvSpPr>
+          <p:cNvPr id="5" name="Text Placeholder 4"/>
           <p:cNvSpPr>
             <a:spLocks noGrp="1"/>
           </p:cNvSpPr>
@@ -6292,62 +6359,100 @@
           <a:lstStyle/>
           <a:p>
             <a:r>
-              <a:rPr kumimoji="1" lang="zh-CN" altLang="en-US" dirty="0" smtClean="0"/>
+              <a:rPr lang="en-US" dirty="0"/>
+              <a:t>HTTP/2 is comprised of two </a:t>
+            </a:r>
+            <a:r>
+              <a:rPr lang="en-US" dirty="0" smtClean="0"/>
+              <a:t>specifications</a:t>
+            </a:r>
+            <a:r>
+              <a:rPr lang="zh-CN" altLang="en-US" dirty="0" smtClean="0"/>
+              <a:t>（</a:t>
+            </a:r>
+            <a:r>
+              <a:rPr lang="en-US" altLang="zh-CN" dirty="0" smtClean="0"/>
+              <a:t>2015</a:t>
+            </a:r>
+            <a:r>
+              <a:rPr lang="en-US" altLang="zh-CN" dirty="0"/>
+              <a:t>-</a:t>
+            </a:r>
+            <a:r>
+              <a:rPr lang="en-US" altLang="zh-CN" dirty="0" smtClean="0"/>
+              <a:t>05</a:t>
+            </a:r>
+            <a:r>
+              <a:rPr lang="zh-CN" altLang="en-US" dirty="0" smtClean="0"/>
+              <a:t>）</a:t>
+            </a:r>
+            <a:r>
+              <a:rPr lang="en-US" dirty="0" smtClean="0"/>
+              <a:t>:</a:t>
+            </a:r>
+            <a:endParaRPr lang="en-US" dirty="0"/>
+          </a:p>
+          <a:p>
+            <a:pPr marL="342900" indent="-342900">
+              <a:buFont typeface="Arial"/>
+              <a:buChar char="•"/>
+            </a:pPr>
+            <a:r>
+              <a:rPr lang="en-US" dirty="0"/>
+              <a:t>Hypertext Transfer Protocol version 2 - RFC7540</a:t>
+            </a:r>
+          </a:p>
+          <a:p>
+            <a:pPr marL="342900" indent="-342900">
+              <a:buFont typeface="Arial"/>
+              <a:buChar char="•"/>
+            </a:pPr>
+            <a:r>
+              <a:rPr lang="en-US" dirty="0"/>
+              <a:t>HPACK - Header Compression for HTTP/2 - </a:t>
+            </a:r>
+            <a:r>
+              <a:rPr lang="en-US" dirty="0" smtClean="0"/>
+              <a:t>RFC7541</a:t>
+            </a:r>
+          </a:p>
+          <a:p>
+            <a:pPr marL="342900" indent="-342900">
+              <a:buFont typeface="Arial"/>
+              <a:buChar char="•"/>
+            </a:pPr>
+            <a:r>
+              <a:rPr lang="zh-CN" altLang="en-US" dirty="0" smtClean="0"/>
               <a:t>见另外一个</a:t>
             </a:r>
             <a:r>
-              <a:rPr kumimoji="1" lang="en-US" altLang="zh-CN" dirty="0" err="1" smtClean="0"/>
+              <a:rPr lang="en-US" altLang="zh-CN" dirty="0" err="1" smtClean="0"/>
               <a:t>ppt</a:t>
             </a:r>
-            <a:endParaRPr kumimoji="1" lang="zh-CN" altLang="en-US" dirty="0" smtClean="0"/>
-          </a:p>
-          <a:p>
-            <a:r>
-              <a:rPr kumimoji="1" lang="en-US" altLang="zh-CN" dirty="0" err="1" smtClean="0"/>
-              <a:t>Json</a:t>
-            </a:r>
-            <a:r>
-              <a:rPr kumimoji="1" lang="zh-CN" altLang="en-US" dirty="0" smtClean="0"/>
-              <a:t>、</a:t>
-            </a:r>
-            <a:r>
-              <a:rPr kumimoji="1" lang="en-US" altLang="zh-CN" dirty="0" smtClean="0"/>
-              <a:t>map</a:t>
-            </a:r>
-            <a:r>
-              <a:rPr kumimoji="1" lang="zh-CN" altLang="en-US" dirty="0" smtClean="0"/>
-              <a:t>、</a:t>
-            </a:r>
-            <a:r>
-              <a:rPr kumimoji="1" lang="en-US" altLang="zh-CN" dirty="0" smtClean="0"/>
-              <a:t>RPC</a:t>
-            </a:r>
-            <a:r>
-              <a:rPr kumimoji="1" lang="zh-CN" altLang="en-US" dirty="0" smtClean="0"/>
-              <a:t>、</a:t>
-            </a:r>
-            <a:r>
-              <a:rPr kumimoji="1" lang="en-US" altLang="zh-CN" dirty="0" smtClean="0"/>
-              <a:t>1M</a:t>
-            </a:r>
-            <a:r>
-              <a:rPr kumimoji="1" lang="zh-CN" altLang="en-US" dirty="0" smtClean="0"/>
-              <a:t>大小</a:t>
-            </a:r>
-            <a:endParaRPr kumimoji="1" lang="zh-CN" altLang="en-US" dirty="0"/>
+            <a:endParaRPr lang="en-US" dirty="0"/>
+          </a:p>
+          <a:p>
+            <a:endParaRPr lang="en-US" dirty="0"/>
           </a:p>
         </p:txBody>
       </p:sp>
     </p:spTree>
     <p:extLst>
       <p:ext uri="{BB962C8B-B14F-4D97-AF65-F5344CB8AC3E}">
-        <p14:creationId xmlns:p14="http://schemas.microsoft.com/office/powerpoint/2010/main" val="1303863554"/>
+        <p14:creationId xmlns:p14="http://schemas.microsoft.com/office/powerpoint/2010/main" val="2326268208"/>
       </p:ext>
     </p:extLst>
   </p:cSld>
   <p:clrMapOvr>
     <a:masterClrMapping/>
   </p:clrMapOvr>
+  <p:timing>
+    <p:tnLst>
+      <p:par>
+        <p:cTn id="1" dur="indefinite" restart="never" nodeType="tmRoot"/>
+      </p:par>
+    </p:tnLst>
+  </p:timing>
 </p:sld>
 </file>
 
